--- a/herman-dmdu-SALib-tutorial.pptx
+++ b/herman-dmdu-SALib-tutorial.pptx
@@ -268,7 +268,7 @@
           <a:p>
             <a:fld id="{B1A2FEDD-B18D-4F08-B90A-F02966C56EEE}" type="datetimeFigureOut">
               <a:rPr lang="en-US" smtClean="0"/>
-              <a:t>11/5/18</a:t>
+              <a:t>11/12/18</a:t>
             </a:fld>
             <a:endParaRPr lang="en-US"/>
           </a:p>
@@ -433,7 +433,7 @@
           <a:p>
             <a:fld id="{739AB784-4AF1-413D-AB7B-F5436CAD37BA}" type="datetimeFigureOut">
               <a:rPr lang="en-US" smtClean="0"/>
-              <a:t>11/5/18</a:t>
+              <a:t>11/12/18</a:t>
             </a:fld>
             <a:endParaRPr lang="en-US"/>
           </a:p>
@@ -806,6 +806,90 @@
       </p:grpSpPr>
       <p:sp>
         <p:nvSpPr>
+          <p:cNvPr id="2" name="Slide Image Placeholder 1"/>
+          <p:cNvSpPr>
+            <a:spLocks noGrp="1" noRot="1" noChangeAspect="1"/>
+          </p:cNvSpPr>
+          <p:nvPr>
+            <p:ph type="sldImg"/>
+          </p:nvPr>
+        </p:nvSpPr>
+        <p:spPr/>
+      </p:sp>
+      <p:sp>
+        <p:nvSpPr>
+          <p:cNvPr id="3" name="Notes Placeholder 2"/>
+          <p:cNvSpPr>
+            <a:spLocks noGrp="1"/>
+          </p:cNvSpPr>
+          <p:nvPr>
+            <p:ph type="body" idx="1"/>
+          </p:nvPr>
+        </p:nvSpPr>
+        <p:spPr/>
+        <p:txBody>
+          <a:bodyPr/>
+          <a:lstStyle/>
+          <a:p>
+            <a:endParaRPr lang="en-US"/>
+          </a:p>
+        </p:txBody>
+      </p:sp>
+      <p:sp>
+        <p:nvSpPr>
+          <p:cNvPr id="4" name="Slide Number Placeholder 3"/>
+          <p:cNvSpPr>
+            <a:spLocks noGrp="1"/>
+          </p:cNvSpPr>
+          <p:nvPr>
+            <p:ph type="sldNum" sz="quarter" idx="10"/>
+          </p:nvPr>
+        </p:nvSpPr>
+        <p:spPr/>
+        <p:txBody>
+          <a:bodyPr/>
+          <a:lstStyle/>
+          <a:p>
+            <a:fld id="{294B61EE-8620-4879-91C8-A7D2C140D395}" type="slidenum">
+              <a:rPr lang="en-US" smtClean="0"/>
+              <a:t>2</a:t>
+            </a:fld>
+            <a:endParaRPr lang="en-US"/>
+          </a:p>
+        </p:txBody>
+      </p:sp>
+    </p:spTree>
+    <p:extLst>
+      <p:ext uri="{BB962C8B-B14F-4D97-AF65-F5344CB8AC3E}">
+        <p14:creationId xmlns:p14="http://schemas.microsoft.com/office/powerpoint/2010/main" val="747065110"/>
+      </p:ext>
+    </p:extLst>
+  </p:cSld>
+  <p:clrMapOvr>
+    <a:masterClrMapping/>
+  </p:clrMapOvr>
+</p:notes>
+</file>
+
+<file path=ppt/notesSlides/notesSlide3.xml><?xml version="1.0" encoding="utf-8"?>
+<p:notes xmlns:a="http://schemas.openxmlformats.org/drawingml/2006/main" xmlns:r="http://schemas.openxmlformats.org/officeDocument/2006/relationships" xmlns:p="http://schemas.openxmlformats.org/presentationml/2006/main">
+  <p:cSld>
+    <p:spTree>
+      <p:nvGrpSpPr>
+        <p:cNvPr id="1" name=""/>
+        <p:cNvGrpSpPr/>
+        <p:nvPr/>
+      </p:nvGrpSpPr>
+      <p:grpSpPr>
+        <a:xfrm>
+          <a:off x="0" y="0"/>
+          <a:ext cx="0" cy="0"/>
+          <a:chOff x="0" y="0"/>
+          <a:chExt cx="0" cy="0"/>
+        </a:xfrm>
+      </p:grpSpPr>
+      <p:sp>
+        <p:nvSpPr>
           <p:cNvPr id="38914" name="Slide Image Placeholder 1"/>
           <p:cNvSpPr>
             <a:spLocks noGrp="1" noRot="1" noChangeAspect="1" noTextEdit="1"/>
@@ -1061,7 +1145,7 @@
 </p:notes>
 </file>
 
-<file path=ppt/notesSlides/notesSlide3.xml><?xml version="1.0" encoding="utf-8"?>
+<file path=ppt/notesSlides/notesSlide4.xml><?xml version="1.0" encoding="utf-8"?>
 <p:notes xmlns:a="http://schemas.openxmlformats.org/drawingml/2006/main" xmlns:r="http://schemas.openxmlformats.org/officeDocument/2006/relationships" xmlns:p="http://schemas.openxmlformats.org/presentationml/2006/main">
   <p:cSld>
     <p:spTree>
@@ -1833,8 +1917,8 @@
           </a:lstStyle>
           <a:p>
             <a:r>
-              <a:rPr lang="en-US" dirty="0" smtClean="0"/>
-              <a:t>This is the footer</a:t>
+              <a:rPr lang="en-US" smtClean="0"/>
+              <a:t>DMDU 2018  |   jdherman@ucdavis.edu</a:t>
             </a:r>
             <a:endParaRPr lang="en-US" dirty="0"/>
           </a:p>
@@ -2192,8 +2276,8 @@
           </a:lstStyle>
           <a:p>
             <a:r>
-              <a:rPr lang="en-US" dirty="0" smtClean="0"/>
-              <a:t>This is the footer</a:t>
+              <a:rPr lang="en-US" smtClean="0"/>
+              <a:t>DMDU 2018  |   jdherman@ucdavis.edu</a:t>
             </a:r>
             <a:endParaRPr lang="en-US" dirty="0"/>
           </a:p>
@@ -2406,6 +2490,10 @@
             <a:pPr>
               <a:defRPr/>
             </a:pPr>
+            <a:r>
+              <a:rPr lang="en-US" smtClean="0"/>
+              <a:t>DMDU 2018  |   jdherman@ucdavis.edu</a:t>
+            </a:r>
             <a:endParaRPr lang="en-US"/>
           </a:p>
         </p:txBody>
@@ -2564,7 +2652,7 @@
       </p:par>
     </p:tnLst>
   </p:timing>
-  <p:hf hdr="0" ftr="0" dt="0"/>
+  <p:hf hdr="0" dt="0"/>
   <p:txStyles>
     <p:titleStyle>
       <a:lvl1pPr algn="ctr" defTabSz="914400" rtl="0" eaLnBrk="1" latinLnBrk="0" hangingPunct="1">
@@ -2871,11 +2959,7 @@
             </a:r>
             <a:r>
               <a:rPr lang="en-US" sz="3600" dirty="0" smtClean="0"/>
-              <a:t> (Python)</a:t>
-            </a:r>
-            <a:r>
-              <a:rPr lang="en-US" sz="3600" dirty="0" smtClean="0"/>
-              <a:t> </a:t>
+              <a:t> (Python) </a:t>
             </a:r>
             <a:endParaRPr lang="en-US" sz="3600" dirty="0"/>
           </a:p>
@@ -2912,11 +2996,6 @@
               </a:rPr>
               <a:t>DMDU Tutorial - Nov. 13, 2018</a:t>
             </a:r>
-            <a:endParaRPr lang="en-US" sz="2400" dirty="0" smtClean="0">
-              <a:solidFill>
-                <a:schemeClr val="bg1"/>
-              </a:solidFill>
-            </a:endParaRPr>
           </a:p>
         </p:txBody>
       </p:sp>
@@ -3125,9 +3204,6 @@
               </a:rPr>
               <a:t>Civil &amp; Environmental Engineering, UC Davis</a:t>
             </a:r>
-            <a:endParaRPr lang="en-US" sz="2800" dirty="0" smtClean="0">
-              <a:latin typeface="Calibri Light" charset="0"/>
-            </a:endParaRPr>
           </a:p>
         </p:txBody>
       </p:sp>
@@ -3668,23 +3744,7 @@
           <a:p>
             <a:r>
               <a:rPr lang="en-US" dirty="0" smtClean="0"/>
-              <a:t>Step 2: </a:t>
-            </a:r>
-            <a:r>
-              <a:rPr lang="en-US" dirty="0" smtClean="0"/>
-              <a:t>Run model </a:t>
-            </a:r>
-            <a:r>
-              <a:rPr lang="en-US" dirty="0" smtClean="0"/>
-              <a:t>for all samples in the matrices A, B, and </a:t>
-            </a:r>
-            <a:r>
-              <a:rPr lang="en-US" dirty="0" smtClean="0"/>
-              <a:t>C. </a:t>
-            </a:r>
-            <a:r>
-              <a:rPr lang="en-US" dirty="0" smtClean="0"/>
-              <a:t>Save the output Y.</a:t>
+              <a:t>Step 2: Run model for all samples in the matrices A, B, and C. Save the output Y.</a:t>
             </a:r>
             <a:endParaRPr lang="en-US" dirty="0"/>
           </a:p>
@@ -3734,6 +3794,29 @@
               <a:pPr/>
               <a:t>11</a:t>
             </a:fld>
+            <a:endParaRPr lang="en-US" dirty="0"/>
+          </a:p>
+        </p:txBody>
+      </p:sp>
+      <p:sp>
+        <p:nvSpPr>
+          <p:cNvPr id="5" name="Footer Placeholder 4"/>
+          <p:cNvSpPr>
+            <a:spLocks noGrp="1"/>
+          </p:cNvSpPr>
+          <p:nvPr>
+            <p:ph type="ftr" sz="quarter" idx="3"/>
+          </p:nvPr>
+        </p:nvSpPr>
+        <p:spPr/>
+        <p:txBody>
+          <a:bodyPr/>
+          <a:lstStyle/>
+          <a:p>
+            <a:r>
+              <a:rPr lang="en-US" smtClean="0"/>
+              <a:t>DMDU 2018  |   jdherman@ucdavis.edu</a:t>
+            </a:r>
             <a:endParaRPr lang="en-US" dirty="0"/>
           </a:p>
         </p:txBody>
@@ -3876,8 +3959,8 @@
           </a:prstGeom>
         </p:spPr>
       </p:pic>
-      <mc:AlternateContent xmlns:mc="http://schemas.openxmlformats.org/markup-compatibility/2006">
-        <mc:Choice xmlns:a14="http://schemas.microsoft.com/office/drawing/2010/main" Requires="a14">
+      <mc:AlternateContent xmlns:mc="http://schemas.openxmlformats.org/markup-compatibility/2006" xmlns:a14="http://schemas.microsoft.com/office/drawing/2010/main">
+        <mc:Choice Requires="a14">
           <p:sp>
             <p:nvSpPr>
               <p:cNvPr id="23" name="Content Placeholder 2"/>
@@ -4044,19 +4127,7 @@
                 </a:pPr>
                 <a:r>
                   <a:rPr lang="en-US" dirty="0" smtClean="0"/>
-                  <a:t>Different estimators </a:t>
-                </a:r>
-                <a:r>
-                  <a:rPr lang="en-US" dirty="0" smtClean="0"/>
-                  <a:t>have been developed, analyzed based on whether they </a:t>
-                </a:r>
-                <a:r>
-                  <a:rPr lang="en-US" dirty="0" smtClean="0"/>
-                  <a:t>converge </a:t>
-                </a:r>
-                <a:r>
-                  <a:rPr lang="en-US" dirty="0" smtClean="0"/>
-                  <a:t>faster with </a:t>
+                  <a:t>Different estimators have been developed, analyzed based on whether they converge faster with </a:t>
                 </a:r>
                 <a:r>
                   <a:rPr lang="en-US" b="1" i="1" dirty="0" smtClean="0"/>
@@ -4110,7 +4181,7 @@
             </p:txBody>
           </p:sp>
         </mc:Choice>
-        <mc:Fallback>
+        <mc:Fallback xmlns="">
           <p:sp>
             <p:nvSpPr>
               <p:cNvPr id="23" name="Content Placeholder 2"/>
@@ -4576,15 +4647,7 @@
             </a:pPr>
             <a:r>
               <a:rPr lang="en-US" dirty="0" smtClean="0"/>
-              <a:t>This is a </a:t>
-            </a:r>
-            <a:r>
-              <a:rPr lang="en-US" dirty="0" smtClean="0"/>
-              <a:t>test function </a:t>
-            </a:r>
-            <a:r>
-              <a:rPr lang="en-US" dirty="0" smtClean="0"/>
-              <a:t>used for SA method benchmarking, because we know what the answer should be.</a:t>
+              <a:t>This is a test function used for SA method benchmarking, because we know what the answer should be.</a:t>
             </a:r>
             <a:endParaRPr lang="en-US" dirty="0"/>
           </a:p>
@@ -4638,6 +4701,29 @@
           </a:prstGeom>
         </p:spPr>
       </p:pic>
+      <p:sp>
+        <p:nvSpPr>
+          <p:cNvPr id="6" name="Footer Placeholder 5"/>
+          <p:cNvSpPr>
+            <a:spLocks noGrp="1"/>
+          </p:cNvSpPr>
+          <p:nvPr>
+            <p:ph type="ftr" sz="quarter" idx="3"/>
+          </p:nvPr>
+        </p:nvSpPr>
+        <p:spPr/>
+        <p:txBody>
+          <a:bodyPr/>
+          <a:lstStyle/>
+          <a:p>
+            <a:r>
+              <a:rPr lang="en-US" smtClean="0"/>
+              <a:t>DMDU 2018  |   jdherman@ucdavis.edu</a:t>
+            </a:r>
+            <a:endParaRPr lang="en-US" dirty="0"/>
+          </a:p>
+        </p:txBody>
+      </p:sp>
     </p:spTree>
     <p:extLst>
       <p:ext uri="{BB962C8B-B14F-4D97-AF65-F5344CB8AC3E}">
@@ -4884,6 +4970,29 @@
           </a:prstGeom>
         </p:spPr>
       </p:pic>
+      <p:sp>
+        <p:nvSpPr>
+          <p:cNvPr id="6" name="Footer Placeholder 5"/>
+          <p:cNvSpPr>
+            <a:spLocks noGrp="1"/>
+          </p:cNvSpPr>
+          <p:nvPr>
+            <p:ph type="ftr" sz="quarter" idx="3"/>
+          </p:nvPr>
+        </p:nvSpPr>
+        <p:spPr/>
+        <p:txBody>
+          <a:bodyPr/>
+          <a:lstStyle/>
+          <a:p>
+            <a:r>
+              <a:rPr lang="en-US" smtClean="0"/>
+              <a:t>DMDU 2018  |   jdherman@ucdavis.edu</a:t>
+            </a:r>
+            <a:endParaRPr lang="en-US" dirty="0"/>
+          </a:p>
+        </p:txBody>
+      </p:sp>
     </p:spTree>
     <p:extLst>
       <p:ext uri="{BB962C8B-B14F-4D97-AF65-F5344CB8AC3E}">
@@ -5166,8 +5275,8 @@
           </a:p>
         </p:txBody>
       </p:sp>
-      <mc:AlternateContent xmlns:mc="http://schemas.openxmlformats.org/markup-compatibility/2006">
-        <mc:Choice xmlns:a14="http://schemas.microsoft.com/office/drawing/2010/main" Requires="a14">
+      <mc:AlternateContent xmlns:mc="http://schemas.openxmlformats.org/markup-compatibility/2006" xmlns:a14="http://schemas.microsoft.com/office/drawing/2010/main">
+        <mc:Choice Requires="a14">
           <p:sp>
             <p:nvSpPr>
               <p:cNvPr id="3" name="Content Placeholder 2"/>
@@ -5419,7 +5528,7 @@
             </p:txBody>
           </p:sp>
         </mc:Choice>
-        <mc:Fallback>
+        <mc:Fallback xmlns="">
           <p:sp>
             <p:nvSpPr>
               <p:cNvPr id="3" name="Content Placeholder 2"/>
@@ -5481,6 +5590,29 @@
           </a:p>
         </p:txBody>
       </p:sp>
+      <p:sp>
+        <p:nvSpPr>
+          <p:cNvPr id="5" name="Footer Placeholder 4"/>
+          <p:cNvSpPr>
+            <a:spLocks noGrp="1"/>
+          </p:cNvSpPr>
+          <p:nvPr>
+            <p:ph type="ftr" sz="quarter" idx="3"/>
+          </p:nvPr>
+        </p:nvSpPr>
+        <p:spPr/>
+        <p:txBody>
+          <a:bodyPr/>
+          <a:lstStyle/>
+          <a:p>
+            <a:r>
+              <a:rPr lang="en-US" smtClean="0"/>
+              <a:t>DMDU 2018  |   jdherman@ucdavis.edu</a:t>
+            </a:r>
+            <a:endParaRPr lang="en-US" dirty="0"/>
+          </a:p>
+        </p:txBody>
+      </p:sp>
     </p:spTree>
     <p:extLst>
       <p:ext uri="{BB962C8B-B14F-4D97-AF65-F5344CB8AC3E}">
@@ -5494,9 +5626,355 @@
   <p:timing>
     <p:tnLst>
       <p:par>
-        <p:cTn id="1" dur="indefinite" restart="never" nodeType="tmRoot"/>
+        <p:cTn id="1" dur="indefinite" restart="never" nodeType="tmRoot">
+          <p:childTnLst>
+            <p:seq concurrent="1" nextAc="seek">
+              <p:cTn id="2" dur="indefinite" nodeType="mainSeq">
+                <p:childTnLst>
+                  <p:par>
+                    <p:cTn id="3" fill="hold">
+                      <p:stCondLst>
+                        <p:cond delay="indefinite"/>
+                      </p:stCondLst>
+                      <p:childTnLst>
+                        <p:par>
+                          <p:cTn id="4" fill="hold">
+                            <p:stCondLst>
+                              <p:cond delay="0"/>
+                            </p:stCondLst>
+                            <p:childTnLst>
+                              <p:par>
+                                <p:cTn id="5" presetID="1" presetClass="entr" presetSubtype="0" fill="hold" grpId="0" nodeType="clickEffect">
+                                  <p:stCondLst>
+                                    <p:cond delay="0"/>
+                                  </p:stCondLst>
+                                  <p:childTnLst>
+                                    <p:set>
+                                      <p:cBhvr>
+                                        <p:cTn id="6" dur="1" fill="hold">
+                                          <p:stCondLst>
+                                            <p:cond delay="0"/>
+                                          </p:stCondLst>
+                                        </p:cTn>
+                                        <p:tgtEl>
+                                          <p:spTgt spid="3">
+                                            <p:txEl>
+                                              <p:pRg st="0" end="0"/>
+                                            </p:txEl>
+                                          </p:spTgt>
+                                        </p:tgtEl>
+                                        <p:attrNameLst>
+                                          <p:attrName>style.visibility</p:attrName>
+                                        </p:attrNameLst>
+                                      </p:cBhvr>
+                                      <p:to>
+                                        <p:strVal val="visible"/>
+                                      </p:to>
+                                    </p:set>
+                                  </p:childTnLst>
+                                </p:cTn>
+                              </p:par>
+                              <p:par>
+                                <p:cTn id="7" presetID="1" presetClass="entr" presetSubtype="0" fill="hold" grpId="0" nodeType="withEffect">
+                                  <p:stCondLst>
+                                    <p:cond delay="0"/>
+                                  </p:stCondLst>
+                                  <p:childTnLst>
+                                    <p:set>
+                                      <p:cBhvr>
+                                        <p:cTn id="8" dur="1" fill="hold">
+                                          <p:stCondLst>
+                                            <p:cond delay="0"/>
+                                          </p:stCondLst>
+                                        </p:cTn>
+                                        <p:tgtEl>
+                                          <p:spTgt spid="3">
+                                            <p:txEl>
+                                              <p:pRg st="1" end="1"/>
+                                            </p:txEl>
+                                          </p:spTgt>
+                                        </p:tgtEl>
+                                        <p:attrNameLst>
+                                          <p:attrName>style.visibility</p:attrName>
+                                        </p:attrNameLst>
+                                      </p:cBhvr>
+                                      <p:to>
+                                        <p:strVal val="visible"/>
+                                      </p:to>
+                                    </p:set>
+                                  </p:childTnLst>
+                                </p:cTn>
+                              </p:par>
+                            </p:childTnLst>
+                          </p:cTn>
+                        </p:par>
+                      </p:childTnLst>
+                    </p:cTn>
+                  </p:par>
+                  <p:par>
+                    <p:cTn id="9" fill="hold">
+                      <p:stCondLst>
+                        <p:cond delay="indefinite"/>
+                      </p:stCondLst>
+                      <p:childTnLst>
+                        <p:par>
+                          <p:cTn id="10" fill="hold">
+                            <p:stCondLst>
+                              <p:cond delay="0"/>
+                            </p:stCondLst>
+                            <p:childTnLst>
+                              <p:par>
+                                <p:cTn id="11" presetID="1" presetClass="entr" presetSubtype="0" fill="hold" grpId="0" nodeType="clickEffect">
+                                  <p:stCondLst>
+                                    <p:cond delay="0"/>
+                                  </p:stCondLst>
+                                  <p:childTnLst>
+                                    <p:set>
+                                      <p:cBhvr>
+                                        <p:cTn id="12" dur="1" fill="hold">
+                                          <p:stCondLst>
+                                            <p:cond delay="0"/>
+                                          </p:stCondLst>
+                                        </p:cTn>
+                                        <p:tgtEl>
+                                          <p:spTgt spid="3">
+                                            <p:txEl>
+                                              <p:pRg st="2" end="2"/>
+                                            </p:txEl>
+                                          </p:spTgt>
+                                        </p:tgtEl>
+                                        <p:attrNameLst>
+                                          <p:attrName>style.visibility</p:attrName>
+                                        </p:attrNameLst>
+                                      </p:cBhvr>
+                                      <p:to>
+                                        <p:strVal val="visible"/>
+                                      </p:to>
+                                    </p:set>
+                                  </p:childTnLst>
+                                </p:cTn>
+                              </p:par>
+                              <p:par>
+                                <p:cTn id="13" presetID="1" presetClass="entr" presetSubtype="0" fill="hold" grpId="0" nodeType="withEffect">
+                                  <p:stCondLst>
+                                    <p:cond delay="0"/>
+                                  </p:stCondLst>
+                                  <p:childTnLst>
+                                    <p:set>
+                                      <p:cBhvr>
+                                        <p:cTn id="14" dur="1" fill="hold">
+                                          <p:stCondLst>
+                                            <p:cond delay="0"/>
+                                          </p:stCondLst>
+                                        </p:cTn>
+                                        <p:tgtEl>
+                                          <p:spTgt spid="3">
+                                            <p:txEl>
+                                              <p:pRg st="3" end="3"/>
+                                            </p:txEl>
+                                          </p:spTgt>
+                                        </p:tgtEl>
+                                        <p:attrNameLst>
+                                          <p:attrName>style.visibility</p:attrName>
+                                        </p:attrNameLst>
+                                      </p:cBhvr>
+                                      <p:to>
+                                        <p:strVal val="visible"/>
+                                      </p:to>
+                                    </p:set>
+                                  </p:childTnLst>
+                                </p:cTn>
+                              </p:par>
+                            </p:childTnLst>
+                          </p:cTn>
+                        </p:par>
+                      </p:childTnLst>
+                    </p:cTn>
+                  </p:par>
+                  <p:par>
+                    <p:cTn id="15" fill="hold">
+                      <p:stCondLst>
+                        <p:cond delay="indefinite"/>
+                      </p:stCondLst>
+                      <p:childTnLst>
+                        <p:par>
+                          <p:cTn id="16" fill="hold">
+                            <p:stCondLst>
+                              <p:cond delay="0"/>
+                            </p:stCondLst>
+                            <p:childTnLst>
+                              <p:par>
+                                <p:cTn id="17" presetID="1" presetClass="entr" presetSubtype="0" fill="hold" grpId="0" nodeType="clickEffect">
+                                  <p:stCondLst>
+                                    <p:cond delay="0"/>
+                                  </p:stCondLst>
+                                  <p:childTnLst>
+                                    <p:set>
+                                      <p:cBhvr>
+                                        <p:cTn id="18" dur="1" fill="hold">
+                                          <p:stCondLst>
+                                            <p:cond delay="0"/>
+                                          </p:stCondLst>
+                                        </p:cTn>
+                                        <p:tgtEl>
+                                          <p:spTgt spid="3">
+                                            <p:txEl>
+                                              <p:pRg st="4" end="4"/>
+                                            </p:txEl>
+                                          </p:spTgt>
+                                        </p:tgtEl>
+                                        <p:attrNameLst>
+                                          <p:attrName>style.visibility</p:attrName>
+                                        </p:attrNameLst>
+                                      </p:cBhvr>
+                                      <p:to>
+                                        <p:strVal val="visible"/>
+                                      </p:to>
+                                    </p:set>
+                                  </p:childTnLst>
+                                </p:cTn>
+                              </p:par>
+                              <p:par>
+                                <p:cTn id="19" presetID="1" presetClass="entr" presetSubtype="0" fill="hold" grpId="0" nodeType="withEffect">
+                                  <p:stCondLst>
+                                    <p:cond delay="0"/>
+                                  </p:stCondLst>
+                                  <p:childTnLst>
+                                    <p:set>
+                                      <p:cBhvr>
+                                        <p:cTn id="20" dur="1" fill="hold">
+                                          <p:stCondLst>
+                                            <p:cond delay="0"/>
+                                          </p:stCondLst>
+                                        </p:cTn>
+                                        <p:tgtEl>
+                                          <p:spTgt spid="3">
+                                            <p:txEl>
+                                              <p:pRg st="5" end="5"/>
+                                            </p:txEl>
+                                          </p:spTgt>
+                                        </p:tgtEl>
+                                        <p:attrNameLst>
+                                          <p:attrName>style.visibility</p:attrName>
+                                        </p:attrNameLst>
+                                      </p:cBhvr>
+                                      <p:to>
+                                        <p:strVal val="visible"/>
+                                      </p:to>
+                                    </p:set>
+                                  </p:childTnLst>
+                                </p:cTn>
+                              </p:par>
+                            </p:childTnLst>
+                          </p:cTn>
+                        </p:par>
+                      </p:childTnLst>
+                    </p:cTn>
+                  </p:par>
+                  <p:par>
+                    <p:cTn id="21" fill="hold">
+                      <p:stCondLst>
+                        <p:cond delay="indefinite"/>
+                      </p:stCondLst>
+                      <p:childTnLst>
+                        <p:par>
+                          <p:cTn id="22" fill="hold">
+                            <p:stCondLst>
+                              <p:cond delay="0"/>
+                            </p:stCondLst>
+                            <p:childTnLst>
+                              <p:par>
+                                <p:cTn id="23" presetID="1" presetClass="entr" presetSubtype="0" fill="hold" grpId="0" nodeType="clickEffect">
+                                  <p:stCondLst>
+                                    <p:cond delay="0"/>
+                                  </p:stCondLst>
+                                  <p:childTnLst>
+                                    <p:set>
+                                      <p:cBhvr>
+                                        <p:cTn id="24" dur="1" fill="hold">
+                                          <p:stCondLst>
+                                            <p:cond delay="0"/>
+                                          </p:stCondLst>
+                                        </p:cTn>
+                                        <p:tgtEl>
+                                          <p:spTgt spid="3">
+                                            <p:txEl>
+                                              <p:pRg st="6" end="6"/>
+                                            </p:txEl>
+                                          </p:spTgt>
+                                        </p:tgtEl>
+                                        <p:attrNameLst>
+                                          <p:attrName>style.visibility</p:attrName>
+                                        </p:attrNameLst>
+                                      </p:cBhvr>
+                                      <p:to>
+                                        <p:strVal val="visible"/>
+                                      </p:to>
+                                    </p:set>
+                                  </p:childTnLst>
+                                </p:cTn>
+                              </p:par>
+                              <p:par>
+                                <p:cTn id="25" presetID="1" presetClass="entr" presetSubtype="0" fill="hold" grpId="0" nodeType="withEffect">
+                                  <p:stCondLst>
+                                    <p:cond delay="0"/>
+                                  </p:stCondLst>
+                                  <p:childTnLst>
+                                    <p:set>
+                                      <p:cBhvr>
+                                        <p:cTn id="26" dur="1" fill="hold">
+                                          <p:stCondLst>
+                                            <p:cond delay="0"/>
+                                          </p:stCondLst>
+                                        </p:cTn>
+                                        <p:tgtEl>
+                                          <p:spTgt spid="3">
+                                            <p:txEl>
+                                              <p:pRg st="7" end="7"/>
+                                            </p:txEl>
+                                          </p:spTgt>
+                                        </p:tgtEl>
+                                        <p:attrNameLst>
+                                          <p:attrName>style.visibility</p:attrName>
+                                        </p:attrNameLst>
+                                      </p:cBhvr>
+                                      <p:to>
+                                        <p:strVal val="visible"/>
+                                      </p:to>
+                                    </p:set>
+                                  </p:childTnLst>
+                                </p:cTn>
+                              </p:par>
+                            </p:childTnLst>
+                          </p:cTn>
+                        </p:par>
+                      </p:childTnLst>
+                    </p:cTn>
+                  </p:par>
+                </p:childTnLst>
+              </p:cTn>
+              <p:prevCondLst>
+                <p:cond evt="onPrev" delay="0">
+                  <p:tgtEl>
+                    <p:sldTgt/>
+                  </p:tgtEl>
+                </p:cond>
+              </p:prevCondLst>
+              <p:nextCondLst>
+                <p:cond evt="onNext" delay="0">
+                  <p:tgtEl>
+                    <p:sldTgt/>
+                  </p:tgtEl>
+                </p:cond>
+              </p:nextCondLst>
+            </p:seq>
+          </p:childTnLst>
+        </p:cTn>
       </p:par>
     </p:tnLst>
+    <p:bldLst>
+      <p:bldP spid="3" grpId="0" build="p"/>
+    </p:bldLst>
   </p:timing>
 </p:sld>
 </file>
@@ -5543,11 +6021,7 @@
             <a:pPr algn="l"/>
             <a:r>
               <a:rPr lang="en-US" dirty="0" smtClean="0"/>
-              <a:t>Example </a:t>
-            </a:r>
-            <a:r>
-              <a:rPr lang="en-US" dirty="0" smtClean="0"/>
-              <a:t>results: parameter sensitivity across space/time</a:t>
+              <a:t>Example results: parameter sensitivity across space/time</a:t>
             </a:r>
             <a:endParaRPr lang="en-US" dirty="0"/>
           </a:p>
@@ -5648,6 +6122,29 @@
           </a:prstGeom>
         </p:spPr>
       </p:pic>
+      <p:sp>
+        <p:nvSpPr>
+          <p:cNvPr id="3" name="Footer Placeholder 2"/>
+          <p:cNvSpPr>
+            <a:spLocks noGrp="1"/>
+          </p:cNvSpPr>
+          <p:nvPr>
+            <p:ph type="ftr" sz="quarter" idx="3"/>
+          </p:nvPr>
+        </p:nvSpPr>
+        <p:spPr/>
+        <p:txBody>
+          <a:bodyPr/>
+          <a:lstStyle/>
+          <a:p>
+            <a:r>
+              <a:rPr lang="en-US" smtClean="0"/>
+              <a:t>DMDU 2018  |   jdherman@ucdavis.edu</a:t>
+            </a:r>
+            <a:endParaRPr lang="en-US" dirty="0"/>
+          </a:p>
+        </p:txBody>
+      </p:sp>
     </p:spTree>
     <p:extLst>
       <p:ext uri="{BB962C8B-B14F-4D97-AF65-F5344CB8AC3E}">
@@ -5762,7 +6259,11 @@
             </a:r>
             <a:r>
               <a:rPr lang="en-US" dirty="0" smtClean="0"/>
-              <a:t> availability in 50 years)</a:t>
+              <a:t> </a:t>
+            </a:r>
+            <a:r>
+              <a:rPr lang="en-US" dirty="0" smtClean="0"/>
+              <a:t>availability in 50 years)</a:t>
             </a:r>
           </a:p>
           <a:p>
@@ -5798,6 +6299,29 @@
               <a:pPr/>
               <a:t>18</a:t>
             </a:fld>
+            <a:endParaRPr lang="en-US" dirty="0"/>
+          </a:p>
+        </p:txBody>
+      </p:sp>
+      <p:sp>
+        <p:nvSpPr>
+          <p:cNvPr id="5" name="Footer Placeholder 4"/>
+          <p:cNvSpPr>
+            <a:spLocks noGrp="1"/>
+          </p:cNvSpPr>
+          <p:nvPr>
+            <p:ph type="ftr" sz="quarter" idx="3"/>
+          </p:nvPr>
+        </p:nvSpPr>
+        <p:spPr/>
+        <p:txBody>
+          <a:bodyPr/>
+          <a:lstStyle/>
+          <a:p>
+            <a:r>
+              <a:rPr lang="en-US" smtClean="0"/>
+              <a:t>DMDU 2018  |   jdherman@ucdavis.edu</a:t>
+            </a:r>
             <a:endParaRPr lang="en-US" dirty="0"/>
           </a:p>
         </p:txBody>
@@ -6115,8 +6639,8 @@
           </a:p>
         </p:txBody>
       </p:sp>
-      <mc:AlternateContent xmlns:mc="http://schemas.openxmlformats.org/markup-compatibility/2006">
-        <mc:Choice xmlns:a14="http://schemas.microsoft.com/office/drawing/2010/main" Requires="a14">
+      <mc:AlternateContent xmlns:mc="http://schemas.openxmlformats.org/markup-compatibility/2006" xmlns:a14="http://schemas.microsoft.com/office/drawing/2010/main">
+        <mc:Choice Requires="a14">
           <p:sp>
             <p:nvSpPr>
               <p:cNvPr id="5" name="Content Placeholder 2"/>
@@ -6399,7 +6923,7 @@
             </p:txBody>
           </p:sp>
         </mc:Choice>
-        <mc:Fallback>
+        <mc:Fallback xmlns="">
           <p:sp>
             <p:nvSpPr>
               <p:cNvPr id="5" name="Content Placeholder 2"/>
@@ -6417,7 +6941,7 @@
                 <a:avLst/>
               </a:prstGeom>
               <a:blipFill rotWithShape="0">
-                <a:blip r:embed="rId2"/>
+                <a:blip r:embed="rId3"/>
                 <a:stretch>
                   <a:fillRect l="-3425" t="-2000" b="-5500"/>
                 </a:stretch>
@@ -6478,8 +7002,8 @@
           </a:p>
         </p:txBody>
       </p:sp>
-      <mc:AlternateContent xmlns:mc="http://schemas.openxmlformats.org/markup-compatibility/2006">
-        <mc:Choice xmlns:a14="http://schemas.microsoft.com/office/drawing/2010/main" Requires="a14">
+      <mc:AlternateContent xmlns:mc="http://schemas.openxmlformats.org/markup-compatibility/2006" xmlns:a14="http://schemas.microsoft.com/office/drawing/2010/main">
+        <mc:Choice Requires="a14">
           <p:sp>
             <p:nvSpPr>
               <p:cNvPr id="7" name="Rectangle 6"/>
@@ -6520,7 +7044,6 @@
                   <a:rPr lang="en-US" sz="2400" dirty="0" smtClean="0"/>
                   <a:t>System Model</a:t>
                 </a:r>
-                <a:endParaRPr lang="en-US" sz="2400" dirty="0" smtClean="0"/>
               </a:p>
               <a:p>
                 <a:pPr algn="ctr"/>
@@ -6574,7 +7097,7 @@
             </p:txBody>
           </p:sp>
         </mc:Choice>
-        <mc:Fallback>
+        <mc:Fallback xmlns="">
           <p:sp>
             <p:nvSpPr>
               <p:cNvPr id="7" name="Rectangle 6"/>
@@ -6592,7 +7115,7 @@
                 <a:avLst/>
               </a:prstGeom>
               <a:blipFill rotWithShape="0">
-                <a:blip r:embed="rId3"/>
+                <a:blip r:embed="rId4"/>
                 <a:stretch>
                   <a:fillRect/>
                 </a:stretch>
@@ -6653,8 +7176,8 @@
           </a:p>
         </p:txBody>
       </p:sp>
-      <mc:AlternateContent xmlns:mc="http://schemas.openxmlformats.org/markup-compatibility/2006">
-        <mc:Choice xmlns:a14="http://schemas.microsoft.com/office/drawing/2010/main" Requires="a14">
+      <mc:AlternateContent xmlns:mc="http://schemas.openxmlformats.org/markup-compatibility/2006" xmlns:a14="http://schemas.microsoft.com/office/drawing/2010/main">
+        <mc:Choice Requires="a14">
           <p:sp>
             <p:nvSpPr>
               <p:cNvPr id="9" name="Content Placeholder 2"/>
@@ -6849,7 +7372,7 @@
             </p:txBody>
           </p:sp>
         </mc:Choice>
-        <mc:Fallback>
+        <mc:Fallback xmlns="">
           <p:sp>
             <p:nvSpPr>
               <p:cNvPr id="9" name="Content Placeholder 2"/>
@@ -6867,7 +7390,7 @@
                 <a:avLst/>
               </a:prstGeom>
               <a:blipFill rotWithShape="0">
-                <a:blip r:embed="rId4"/>
+                <a:blip r:embed="rId5"/>
                 <a:stretch>
                   <a:fillRect l="-6400" t="-5096" b="-637"/>
                 </a:stretch>
@@ -7169,6 +7692,29 @@
               <a:pPr/>
               <a:t>3</a:t>
             </a:fld>
+            <a:endParaRPr lang="en-US" dirty="0"/>
+          </a:p>
+        </p:txBody>
+      </p:sp>
+      <p:sp>
+        <p:nvSpPr>
+          <p:cNvPr id="5" name="Footer Placeholder 4"/>
+          <p:cNvSpPr>
+            <a:spLocks noGrp="1"/>
+          </p:cNvSpPr>
+          <p:nvPr>
+            <p:ph type="ftr" sz="quarter" idx="3"/>
+          </p:nvPr>
+        </p:nvSpPr>
+        <p:spPr/>
+        <p:txBody>
+          <a:bodyPr/>
+          <a:lstStyle/>
+          <a:p>
+            <a:r>
+              <a:rPr lang="en-US" smtClean="0"/>
+              <a:t>DMDU 2018  |   jdherman@ucdavis.edu</a:t>
+            </a:r>
             <a:endParaRPr lang="en-US" dirty="0"/>
           </a:p>
         </p:txBody>
@@ -8127,6 +8673,53 @@
           </p:sp>
         </mc:Fallback>
       </mc:AlternateContent>
+      <p:sp>
+        <p:nvSpPr>
+          <p:cNvPr id="3" name="Footer Placeholder 2"/>
+          <p:cNvSpPr>
+            <a:spLocks noGrp="1"/>
+          </p:cNvSpPr>
+          <p:nvPr>
+            <p:ph type="ftr" sz="quarter" idx="3"/>
+          </p:nvPr>
+        </p:nvSpPr>
+        <p:spPr/>
+        <p:txBody>
+          <a:bodyPr/>
+          <a:lstStyle/>
+          <a:p>
+            <a:r>
+              <a:rPr lang="en-US" smtClean="0"/>
+              <a:t>DMDU 2018  |   jdherman@ucdavis.edu</a:t>
+            </a:r>
+            <a:endParaRPr lang="en-US" dirty="0"/>
+          </a:p>
+        </p:txBody>
+      </p:sp>
+      <p:sp>
+        <p:nvSpPr>
+          <p:cNvPr id="4" name="Slide Number Placeholder 3"/>
+          <p:cNvSpPr>
+            <a:spLocks noGrp="1"/>
+          </p:cNvSpPr>
+          <p:nvPr>
+            <p:ph type="sldNum" sz="quarter" idx="4"/>
+          </p:nvPr>
+        </p:nvSpPr>
+        <p:spPr/>
+        <p:txBody>
+          <a:bodyPr/>
+          <a:lstStyle/>
+          <a:p>
+            <a:fld id="{B6F15528-21DE-4FAA-801E-634DDDAF4B2B}" type="slidenum">
+              <a:rPr lang="en-US" smtClean="0"/>
+              <a:pPr/>
+              <a:t>4</a:t>
+            </a:fld>
+            <a:endParaRPr lang="en-US" dirty="0"/>
+          </a:p>
+        </p:txBody>
+      </p:sp>
     </p:spTree>
     <p:extLst>
       <p:ext uri="{BB962C8B-B14F-4D97-AF65-F5344CB8AC3E}">
@@ -10704,6 +11297,53 @@
           </a:p>
         </p:txBody>
       </p:sp>
+      <p:sp>
+        <p:nvSpPr>
+          <p:cNvPr id="2" name="Footer Placeholder 1"/>
+          <p:cNvSpPr>
+            <a:spLocks noGrp="1"/>
+          </p:cNvSpPr>
+          <p:nvPr>
+            <p:ph type="ftr" sz="quarter" idx="3"/>
+          </p:nvPr>
+        </p:nvSpPr>
+        <p:spPr/>
+        <p:txBody>
+          <a:bodyPr/>
+          <a:lstStyle/>
+          <a:p>
+            <a:r>
+              <a:rPr lang="en-US" smtClean="0"/>
+              <a:t>DMDU 2018  |   jdherman@ucdavis.edu</a:t>
+            </a:r>
+            <a:endParaRPr lang="en-US" dirty="0"/>
+          </a:p>
+        </p:txBody>
+      </p:sp>
+      <p:sp>
+        <p:nvSpPr>
+          <p:cNvPr id="4" name="Slide Number Placeholder 3"/>
+          <p:cNvSpPr>
+            <a:spLocks noGrp="1"/>
+          </p:cNvSpPr>
+          <p:nvPr>
+            <p:ph type="sldNum" sz="quarter" idx="4"/>
+          </p:nvPr>
+        </p:nvSpPr>
+        <p:spPr/>
+        <p:txBody>
+          <a:bodyPr/>
+          <a:lstStyle/>
+          <a:p>
+            <a:fld id="{B6F15528-21DE-4FAA-801E-634DDDAF4B2B}" type="slidenum">
+              <a:rPr lang="en-US" smtClean="0"/>
+              <a:pPr/>
+              <a:t>5</a:t>
+            </a:fld>
+            <a:endParaRPr lang="en-US" dirty="0"/>
+          </a:p>
+        </p:txBody>
+      </p:sp>
     </p:spTree>
     <p:extLst>
       <p:ext uri="{BB962C8B-B14F-4D97-AF65-F5344CB8AC3E}">
@@ -10868,6 +11508,53 @@
           </a:p>
         </p:txBody>
       </p:sp>
+      <p:sp>
+        <p:nvSpPr>
+          <p:cNvPr id="3" name="Footer Placeholder 2"/>
+          <p:cNvSpPr>
+            <a:spLocks noGrp="1"/>
+          </p:cNvSpPr>
+          <p:nvPr>
+            <p:ph type="ftr" sz="quarter" idx="3"/>
+          </p:nvPr>
+        </p:nvSpPr>
+        <p:spPr/>
+        <p:txBody>
+          <a:bodyPr/>
+          <a:lstStyle/>
+          <a:p>
+            <a:r>
+              <a:rPr lang="en-US" smtClean="0"/>
+              <a:t>DMDU 2018  |   jdherman@ucdavis.edu</a:t>
+            </a:r>
+            <a:endParaRPr lang="en-US" dirty="0"/>
+          </a:p>
+        </p:txBody>
+      </p:sp>
+      <p:sp>
+        <p:nvSpPr>
+          <p:cNvPr id="5" name="Slide Number Placeholder 4"/>
+          <p:cNvSpPr>
+            <a:spLocks noGrp="1"/>
+          </p:cNvSpPr>
+          <p:nvPr>
+            <p:ph type="sldNum" sz="quarter" idx="4"/>
+          </p:nvPr>
+        </p:nvSpPr>
+        <p:spPr/>
+        <p:txBody>
+          <a:bodyPr/>
+          <a:lstStyle/>
+          <a:p>
+            <a:fld id="{B6F15528-21DE-4FAA-801E-634DDDAF4B2B}" type="slidenum">
+              <a:rPr lang="en-US" smtClean="0"/>
+              <a:pPr/>
+              <a:t>6</a:t>
+            </a:fld>
+            <a:endParaRPr lang="en-US" dirty="0"/>
+          </a:p>
+        </p:txBody>
+      </p:sp>
     </p:spTree>
     <p:extLst>
       <p:ext uri="{BB962C8B-B14F-4D97-AF65-F5344CB8AC3E}">
@@ -11002,38 +11689,23 @@
           <a:p>
             <a:pPr algn="l"/>
             <a:r>
-              <a:rPr lang="en-US" altLang="en-US" dirty="0">
-                <a:latin typeface="Gill Sans MT" charset="0"/>
-                <a:ea typeface="ＭＳ Ｐゴシック" charset="-128"/>
-              </a:rPr>
+              <a:rPr lang="en-US" altLang="en-US" dirty="0"/>
               <a:t>Example </a:t>
             </a:r>
             <a:r>
-              <a:rPr lang="en-US" altLang="en-US" dirty="0" err="1">
-                <a:latin typeface="Gill Sans MT" charset="0"/>
-                <a:ea typeface="ＭＳ Ｐゴシック" charset="-128"/>
-              </a:rPr>
+              <a:rPr lang="en-US" altLang="en-US" dirty="0" err="1"/>
               <a:t>Sobol</a:t>
             </a:r>
             <a:r>
-              <a:rPr lang="en-US" altLang="en-US" dirty="0">
-                <a:latin typeface="Gill Sans MT" charset="0"/>
-                <a:ea typeface="ＭＳ Ｐゴシック" charset="-128"/>
-              </a:rPr>
+              <a:rPr lang="en-US" altLang="en-US" dirty="0"/>
               <a:t> </a:t>
             </a:r>
             <a:r>
-              <a:rPr lang="en-US" altLang="en-US" dirty="0" smtClean="0">
-                <a:latin typeface="Gill Sans MT" charset="0"/>
-                <a:ea typeface="ＭＳ Ｐゴシック" charset="-128"/>
-              </a:rPr>
+              <a:rPr lang="en-US" altLang="en-US" dirty="0" smtClean="0"/>
               <a:t>sensitivity </a:t>
             </a:r>
             <a:r>
-              <a:rPr lang="en-US" altLang="en-US" dirty="0">
-                <a:latin typeface="Gill Sans MT" charset="0"/>
-                <a:ea typeface="ＭＳ Ｐゴシック" charset="-128"/>
-              </a:rPr>
+              <a:rPr lang="en-US" altLang="en-US" dirty="0"/>
               <a:t>indices for separable and non-separable functions</a:t>
             </a:r>
           </a:p>
@@ -11124,6 +11796,53 @@
             <a:endParaRPr lang="en-US" altLang="en-US" sz="2400" dirty="0">
               <a:ea typeface="ＭＳ Ｐゴシック" charset="-128"/>
             </a:endParaRPr>
+          </a:p>
+        </p:txBody>
+      </p:sp>
+      <p:sp>
+        <p:nvSpPr>
+          <p:cNvPr id="2" name="Footer Placeholder 1"/>
+          <p:cNvSpPr>
+            <a:spLocks noGrp="1"/>
+          </p:cNvSpPr>
+          <p:nvPr>
+            <p:ph type="ftr" sz="quarter" idx="3"/>
+          </p:nvPr>
+        </p:nvSpPr>
+        <p:spPr/>
+        <p:txBody>
+          <a:bodyPr/>
+          <a:lstStyle/>
+          <a:p>
+            <a:r>
+              <a:rPr lang="en-US" smtClean="0"/>
+              <a:t>DMDU 2018  |   jdherman@ucdavis.edu</a:t>
+            </a:r>
+            <a:endParaRPr lang="en-US" dirty="0"/>
+          </a:p>
+        </p:txBody>
+      </p:sp>
+      <p:sp>
+        <p:nvSpPr>
+          <p:cNvPr id="3" name="Slide Number Placeholder 2"/>
+          <p:cNvSpPr>
+            <a:spLocks noGrp="1"/>
+          </p:cNvSpPr>
+          <p:nvPr>
+            <p:ph type="sldNum" sz="quarter" idx="4"/>
+          </p:nvPr>
+        </p:nvSpPr>
+        <p:spPr/>
+        <p:txBody>
+          <a:bodyPr/>
+          <a:lstStyle/>
+          <a:p>
+            <a:fld id="{B6F15528-21DE-4FAA-801E-634DDDAF4B2B}" type="slidenum">
+              <a:rPr lang="en-US" smtClean="0"/>
+              <a:pPr/>
+              <a:t>7</a:t>
+            </a:fld>
+            <a:endParaRPr lang="en-US" dirty="0"/>
           </a:p>
         </p:txBody>
       </p:sp>
@@ -11256,15 +11975,7 @@
           <a:p>
             <a:r>
               <a:rPr lang="en-US" dirty="0" smtClean="0"/>
-              <a:t>SA: t</a:t>
-            </a:r>
-            <a:r>
-              <a:rPr lang="en-US" dirty="0" smtClean="0"/>
-              <a:t>hree </a:t>
-            </a:r>
-            <a:r>
-              <a:rPr lang="en-US" dirty="0" smtClean="0"/>
-              <a:t>main steps </a:t>
+              <a:t>SA: three main steps </a:t>
             </a:r>
             <a:r>
               <a:rPr lang="en-US" sz="2400" dirty="0" smtClean="0"/>
@@ -11349,6 +12060,29 @@
           </a:prstGeom>
         </p:spPr>
       </p:pic>
+      <p:sp>
+        <p:nvSpPr>
+          <p:cNvPr id="6" name="Footer Placeholder 5"/>
+          <p:cNvSpPr>
+            <a:spLocks noGrp="1"/>
+          </p:cNvSpPr>
+          <p:nvPr>
+            <p:ph type="ftr" sz="quarter" idx="3"/>
+          </p:nvPr>
+        </p:nvSpPr>
+        <p:spPr/>
+        <p:txBody>
+          <a:bodyPr/>
+          <a:lstStyle/>
+          <a:p>
+            <a:r>
+              <a:rPr lang="en-US" smtClean="0"/>
+              <a:t>DMDU 2018  |   jdherman@ucdavis.edu</a:t>
+            </a:r>
+            <a:endParaRPr lang="en-US" dirty="0"/>
+          </a:p>
+        </p:txBody>
+      </p:sp>
     </p:spTree>
     <p:extLst>
       <p:ext uri="{BB962C8B-B14F-4D97-AF65-F5344CB8AC3E}">
@@ -12533,6 +13267,29 @@
           </a:p>
         </p:txBody>
       </p:sp>
+      <p:sp>
+        <p:nvSpPr>
+          <p:cNvPr id="2" name="Footer Placeholder 1"/>
+          <p:cNvSpPr>
+            <a:spLocks noGrp="1"/>
+          </p:cNvSpPr>
+          <p:nvPr>
+            <p:ph type="ftr" sz="quarter" idx="3"/>
+          </p:nvPr>
+        </p:nvSpPr>
+        <p:spPr/>
+        <p:txBody>
+          <a:bodyPr/>
+          <a:lstStyle/>
+          <a:p>
+            <a:r>
+              <a:rPr lang="en-US" smtClean="0"/>
+              <a:t>DMDU 2018  |   jdherman@ucdavis.edu</a:t>
+            </a:r>
+            <a:endParaRPr lang="en-US" dirty="0"/>
+          </a:p>
+        </p:txBody>
+      </p:sp>
     </p:spTree>
     <p:extLst>
       <p:ext uri="{BB962C8B-B14F-4D97-AF65-F5344CB8AC3E}">
